--- a/pres.pptx
+++ b/pres.pptx
@@ -9,6 +9,8 @@
     <p:sldId id="257" r:id="rId3"/>
     <p:sldId id="258" r:id="rId4"/>
     <p:sldId id="259" r:id="rId5"/>
+    <p:sldId id="260" r:id="rId6"/>
+    <p:sldId id="261" r:id="rId7"/>
   </p:sldIdLst>
   <p:sldSz cx="12192000" cy="6858000"/>
   <p:notesSz cx="6858000" cy="9144000"/>
@@ -244,7 +246,7 @@
           <a:p>
             <a:fld id="{F2FFB779-270B-4192-84BA-A697F48306DC}" type="datetimeFigureOut">
               <a:rPr lang="ru-RU" smtClean="0"/>
-              <a:t>28.02.2019</a:t>
+              <a:t>02.03.2019</a:t>
             </a:fld>
             <a:endParaRPr lang="ru-RU"/>
           </a:p>
@@ -412,7 +414,7 @@
           <a:p>
             <a:fld id="{F2FFB779-270B-4192-84BA-A697F48306DC}" type="datetimeFigureOut">
               <a:rPr lang="ru-RU" smtClean="0"/>
-              <a:t>28.02.2019</a:t>
+              <a:t>02.03.2019</a:t>
             </a:fld>
             <a:endParaRPr lang="ru-RU"/>
           </a:p>
@@ -590,7 +592,7 @@
           <a:p>
             <a:fld id="{F2FFB779-270B-4192-84BA-A697F48306DC}" type="datetimeFigureOut">
               <a:rPr lang="ru-RU" smtClean="0"/>
-              <a:t>28.02.2019</a:t>
+              <a:t>02.03.2019</a:t>
             </a:fld>
             <a:endParaRPr lang="ru-RU"/>
           </a:p>
@@ -758,7 +760,7 @@
           <a:p>
             <a:fld id="{F2FFB779-270B-4192-84BA-A697F48306DC}" type="datetimeFigureOut">
               <a:rPr lang="ru-RU" smtClean="0"/>
-              <a:t>28.02.2019</a:t>
+              <a:t>02.03.2019</a:t>
             </a:fld>
             <a:endParaRPr lang="ru-RU"/>
           </a:p>
@@ -1003,7 +1005,7 @@
           <a:p>
             <a:fld id="{F2FFB779-270B-4192-84BA-A697F48306DC}" type="datetimeFigureOut">
               <a:rPr lang="ru-RU" smtClean="0"/>
-              <a:t>28.02.2019</a:t>
+              <a:t>02.03.2019</a:t>
             </a:fld>
             <a:endParaRPr lang="ru-RU"/>
           </a:p>
@@ -1232,7 +1234,7 @@
           <a:p>
             <a:fld id="{F2FFB779-270B-4192-84BA-A697F48306DC}" type="datetimeFigureOut">
               <a:rPr lang="ru-RU" smtClean="0"/>
-              <a:t>28.02.2019</a:t>
+              <a:t>02.03.2019</a:t>
             </a:fld>
             <a:endParaRPr lang="ru-RU"/>
           </a:p>
@@ -1596,7 +1598,7 @@
           <a:p>
             <a:fld id="{F2FFB779-270B-4192-84BA-A697F48306DC}" type="datetimeFigureOut">
               <a:rPr lang="ru-RU" smtClean="0"/>
-              <a:t>28.02.2019</a:t>
+              <a:t>02.03.2019</a:t>
             </a:fld>
             <a:endParaRPr lang="ru-RU"/>
           </a:p>
@@ -1713,7 +1715,7 @@
           <a:p>
             <a:fld id="{F2FFB779-270B-4192-84BA-A697F48306DC}" type="datetimeFigureOut">
               <a:rPr lang="ru-RU" smtClean="0"/>
-              <a:t>28.02.2019</a:t>
+              <a:t>02.03.2019</a:t>
             </a:fld>
             <a:endParaRPr lang="ru-RU"/>
           </a:p>
@@ -1808,7 +1810,7 @@
           <a:p>
             <a:fld id="{F2FFB779-270B-4192-84BA-A697F48306DC}" type="datetimeFigureOut">
               <a:rPr lang="ru-RU" smtClean="0"/>
-              <a:t>28.02.2019</a:t>
+              <a:t>02.03.2019</a:t>
             </a:fld>
             <a:endParaRPr lang="ru-RU"/>
           </a:p>
@@ -2083,7 +2085,7 @@
           <a:p>
             <a:fld id="{F2FFB779-270B-4192-84BA-A697F48306DC}" type="datetimeFigureOut">
               <a:rPr lang="ru-RU" smtClean="0"/>
-              <a:t>28.02.2019</a:t>
+              <a:t>02.03.2019</a:t>
             </a:fld>
             <a:endParaRPr lang="ru-RU"/>
           </a:p>
@@ -2335,7 +2337,7 @@
           <a:p>
             <a:fld id="{F2FFB779-270B-4192-84BA-A697F48306DC}" type="datetimeFigureOut">
               <a:rPr lang="ru-RU" smtClean="0"/>
-              <a:t>28.02.2019</a:t>
+              <a:t>02.03.2019</a:t>
             </a:fld>
             <a:endParaRPr lang="ru-RU"/>
           </a:p>
@@ -2546,7 +2548,7 @@
           <a:p>
             <a:fld id="{F2FFB779-270B-4192-84BA-A697F48306DC}" type="datetimeFigureOut">
               <a:rPr lang="ru-RU" smtClean="0"/>
-              <a:t>28.02.2019</a:t>
+              <a:t>02.03.2019</a:t>
             </a:fld>
             <a:endParaRPr lang="ru-RU"/>
           </a:p>
@@ -2966,12 +2968,9 @@
           <a:bodyPr/>
           <a:lstStyle/>
           <a:p>
-            <a:r>
-              <a:rPr lang="ru-RU" dirty="0">
-                <a:cs typeface="Calibri Light"/>
-              </a:rPr>
-              <a:t>Голый мужик в лабиринте</a:t>
-            </a:r>
+            <a:endParaRPr lang="ru-RU" dirty="0">
+              <a:cs typeface="Calibri Light"/>
+            </a:endParaRPr>
           </a:p>
         </p:txBody>
       </p:sp>
@@ -3058,7 +3057,7 @@
           <p:cNvPr id="2" name="Заголовок 1">
             <a:extLst>
               <a:ext uri="{FF2B5EF4-FFF2-40B4-BE49-F238E27FC236}">
-                <a16:creationId xmlns:a16="http://schemas.microsoft.com/office/drawing/2014/main" id="{AA86B5E8-E57F-487F-AD36-15E88BA144FD}"/>
+                <a16:creationId xmlns:a16="http://schemas.microsoft.com/office/drawing/2014/main" xmlns="" id="{AA86B5E8-E57F-487F-AD36-15E88BA144FD}"/>
               </a:ext>
             </a:extLst>
           </p:cNvPr>
@@ -3089,7 +3088,7 @@
           <p:cNvPr id="3" name="Объект 2">
             <a:extLst>
               <a:ext uri="{FF2B5EF4-FFF2-40B4-BE49-F238E27FC236}">
-                <a16:creationId xmlns:a16="http://schemas.microsoft.com/office/drawing/2014/main" id="{AB637077-C0B6-4056-B83E-6C15AD7C10F5}"/>
+                <a16:creationId xmlns:a16="http://schemas.microsoft.com/office/drawing/2014/main" xmlns="" id="{AB637077-C0B6-4056-B83E-6C15AD7C10F5}"/>
               </a:ext>
             </a:extLst>
           </p:cNvPr>
@@ -3114,8 +3113,17 @@
               <a:rPr lang="ru-RU" dirty="0">
                 <a:cs typeface="Calibri"/>
               </a:rPr>
-              <a:t>Целевая аудитория - люди, любящие легкие, но мобильные игры</a:t>
-            </a:r>
+              <a:t>Целевая аудитория - люди, любящие </a:t>
+            </a:r>
+            <a:r>
+              <a:rPr lang="ru-RU" dirty="0" smtClean="0">
+                <a:cs typeface="Calibri"/>
+              </a:rPr>
+              <a:t>несложные игры.</a:t>
+            </a:r>
+            <a:endParaRPr lang="ru-RU" dirty="0">
+              <a:cs typeface="Calibri"/>
+            </a:endParaRPr>
           </a:p>
           <a:p>
             <a:pPr marL="0" indent="0">
@@ -3125,7 +3133,19 @@
               <a:rPr lang="ru-RU" dirty="0">
                 <a:cs typeface="Calibri"/>
               </a:rPr>
-              <a:t>Игра была взята из головы. В основу легла идея создать бродилку, но в ограниченном мире. С помощью создание комнат и этажей мир получился безграничным.</a:t>
+              <a:t>Игра была взята из головы. В основу легла идея создать бродилку, но в ограниченном мире. С помощью </a:t>
+            </a:r>
+            <a:r>
+              <a:rPr lang="ru-RU" dirty="0" smtClean="0">
+                <a:cs typeface="Calibri"/>
+              </a:rPr>
+              <a:t>создания </a:t>
+            </a:r>
+            <a:r>
+              <a:rPr lang="ru-RU" dirty="0">
+                <a:cs typeface="Calibri"/>
+              </a:rPr>
+              <a:t>комнат и этажей мир получился безграничным.</a:t>
             </a:r>
           </a:p>
         </p:txBody>
@@ -3165,7 +3185,7 @@
           <p:cNvPr id="2" name="Заголовок 1">
             <a:extLst>
               <a:ext uri="{FF2B5EF4-FFF2-40B4-BE49-F238E27FC236}">
-                <a16:creationId xmlns:a16="http://schemas.microsoft.com/office/drawing/2014/main" id="{97AF9761-F16A-4D45-934B-F531552CEC99}"/>
+                <a16:creationId xmlns:a16="http://schemas.microsoft.com/office/drawing/2014/main" xmlns="" id="{97AF9761-F16A-4D45-934B-F531552CEC99}"/>
               </a:ext>
             </a:extLst>
           </p:cNvPr>
@@ -3196,7 +3216,7 @@
           <p:cNvPr id="3" name="Объект 2">
             <a:extLst>
               <a:ext uri="{FF2B5EF4-FFF2-40B4-BE49-F238E27FC236}">
-                <a16:creationId xmlns:a16="http://schemas.microsoft.com/office/drawing/2014/main" id="{004BDC7F-3388-4FDB-A798-0F4C41C1E9C7}"/>
+                <a16:creationId xmlns:a16="http://schemas.microsoft.com/office/drawing/2014/main" xmlns="" id="{004BDC7F-3388-4FDB-A798-0F4C41C1E9C7}"/>
               </a:ext>
             </a:extLst>
           </p:cNvPr>
@@ -3303,7 +3323,7 @@
           <p:cNvPr id="4" name="TextBox 3">
             <a:extLst>
               <a:ext uri="{FF2B5EF4-FFF2-40B4-BE49-F238E27FC236}">
-                <a16:creationId xmlns:a16="http://schemas.microsoft.com/office/drawing/2014/main" id="{0E8B0746-2A63-48C0-A452-007C996ADD1C}"/>
+                <a16:creationId xmlns:a16="http://schemas.microsoft.com/office/drawing/2014/main" xmlns="" id="{0E8B0746-2A63-48C0-A452-007C996ADD1C}"/>
               </a:ext>
             </a:extLst>
           </p:cNvPr>
@@ -3414,7 +3434,7 @@
           <p:cNvPr id="2" name="Заголовок 1">
             <a:extLst>
               <a:ext uri="{FF2B5EF4-FFF2-40B4-BE49-F238E27FC236}">
-                <a16:creationId xmlns:a16="http://schemas.microsoft.com/office/drawing/2014/main" id="{E0283CC7-4546-4D6A-9205-6A91FC896D83}"/>
+                <a16:creationId xmlns:a16="http://schemas.microsoft.com/office/drawing/2014/main" xmlns="" id="{E0283CC7-4546-4D6A-9205-6A91FC896D83}"/>
               </a:ext>
             </a:extLst>
           </p:cNvPr>
@@ -3446,7 +3466,7 @@
           <p:cNvPr id="3" name="Объект 2">
             <a:extLst>
               <a:ext uri="{FF2B5EF4-FFF2-40B4-BE49-F238E27FC236}">
-                <a16:creationId xmlns:a16="http://schemas.microsoft.com/office/drawing/2014/main" id="{088AF6F8-90E1-4922-AE7A-C3256B5F2EB6}"/>
+                <a16:creationId xmlns:a16="http://schemas.microsoft.com/office/drawing/2014/main" xmlns="" id="{088AF6F8-90E1-4922-AE7A-C3256B5F2EB6}"/>
               </a:ext>
             </a:extLst>
           </p:cNvPr>
@@ -3502,6 +3522,173 @@
     <p:extLst>
       <p:ext uri="{BB962C8B-B14F-4D97-AF65-F5344CB8AC3E}">
         <p14:creationId xmlns:p14="http://schemas.microsoft.com/office/powerpoint/2010/main" val="1404456660"/>
+      </p:ext>
+    </p:extLst>
+  </p:cSld>
+  <p:clrMapOvr>
+    <a:masterClrMapping/>
+  </p:clrMapOvr>
+</p:sld>
+</file>
+
+<file path=ppt/slides/slide5.xml><?xml version="1.0" encoding="utf-8"?>
+<p:sld xmlns:a="http://schemas.openxmlformats.org/drawingml/2006/main" xmlns:r="http://schemas.openxmlformats.org/officeDocument/2006/relationships" xmlns:p="http://schemas.openxmlformats.org/presentationml/2006/main">
+  <p:cSld>
+    <p:spTree>
+      <p:nvGrpSpPr>
+        <p:cNvPr id="1" name=""/>
+        <p:cNvGrpSpPr/>
+        <p:nvPr/>
+      </p:nvGrpSpPr>
+      <p:grpSpPr>
+        <a:xfrm>
+          <a:off x="0" y="0"/>
+          <a:ext cx="0" cy="0"/>
+          <a:chOff x="0" y="0"/>
+          <a:chExt cx="0" cy="0"/>
+        </a:xfrm>
+      </p:grpSpPr>
+      <p:sp>
+        <p:nvSpPr>
+          <p:cNvPr id="2" name="Заголовок 1"/>
+          <p:cNvSpPr>
+            <a:spLocks noGrp="1"/>
+          </p:cNvSpPr>
+          <p:nvPr>
+            <p:ph type="title"/>
+          </p:nvPr>
+        </p:nvSpPr>
+        <p:spPr/>
+        <p:txBody>
+          <a:bodyPr/>
+          <a:lstStyle/>
+          <a:p>
+            <a:endParaRPr lang="ru-RU"/>
+          </a:p>
+        </p:txBody>
+      </p:sp>
+      <p:pic>
+        <p:nvPicPr>
+          <p:cNvPr id="4" name="Объект 3"/>
+          <p:cNvPicPr>
+            <a:picLocks noGrp="1" noChangeAspect="1"/>
+          </p:cNvPicPr>
+          <p:nvPr>
+            <p:ph idx="1"/>
+          </p:nvPr>
+        </p:nvPicPr>
+        <p:blipFill>
+          <a:blip r:embed="rId2"/>
+          <a:stretch>
+            <a:fillRect/>
+          </a:stretch>
+        </p:blipFill>
+        <p:spPr>
+          <a:xfrm>
+            <a:off x="1342892" y="113903"/>
+            <a:ext cx="9506216" cy="6442883"/>
+          </a:xfrm>
+          <a:prstGeom prst="rect">
+            <a:avLst/>
+          </a:prstGeom>
+        </p:spPr>
+      </p:pic>
+    </p:spTree>
+    <p:extLst>
+      <p:ext uri="{BB962C8B-B14F-4D97-AF65-F5344CB8AC3E}">
+        <p14:creationId xmlns:p14="http://schemas.microsoft.com/office/powerpoint/2010/main" val="1618755576"/>
+      </p:ext>
+    </p:extLst>
+  </p:cSld>
+  <p:clrMapOvr>
+    <a:masterClrMapping/>
+  </p:clrMapOvr>
+</p:sld>
+</file>
+
+<file path=ppt/slides/slide6.xml><?xml version="1.0" encoding="utf-8"?>
+<p:sld xmlns:a="http://schemas.openxmlformats.org/drawingml/2006/main" xmlns:r="http://schemas.openxmlformats.org/officeDocument/2006/relationships" xmlns:p="http://schemas.openxmlformats.org/presentationml/2006/main">
+  <p:cSld>
+    <p:spTree>
+      <p:nvGrpSpPr>
+        <p:cNvPr id="1" name=""/>
+        <p:cNvGrpSpPr/>
+        <p:nvPr/>
+      </p:nvGrpSpPr>
+      <p:grpSpPr>
+        <a:xfrm>
+          <a:off x="0" y="0"/>
+          <a:ext cx="0" cy="0"/>
+          <a:chOff x="0" y="0"/>
+          <a:chExt cx="0" cy="0"/>
+        </a:xfrm>
+      </p:grpSpPr>
+      <p:sp>
+        <p:nvSpPr>
+          <p:cNvPr id="2" name="Заголовок 1"/>
+          <p:cNvSpPr>
+            <a:spLocks noGrp="1"/>
+          </p:cNvSpPr>
+          <p:nvPr>
+            <p:ph type="title"/>
+          </p:nvPr>
+        </p:nvSpPr>
+        <p:spPr/>
+        <p:txBody>
+          <a:bodyPr/>
+          <a:lstStyle/>
+          <a:p>
+            <a:endParaRPr lang="ru-RU"/>
+          </a:p>
+        </p:txBody>
+      </p:sp>
+      <p:sp>
+        <p:nvSpPr>
+          <p:cNvPr id="3" name="Объект 2"/>
+          <p:cNvSpPr>
+            <a:spLocks noGrp="1"/>
+          </p:cNvSpPr>
+          <p:nvPr>
+            <p:ph idx="1"/>
+          </p:nvPr>
+        </p:nvSpPr>
+        <p:spPr/>
+        <p:txBody>
+          <a:bodyPr/>
+          <a:lstStyle/>
+          <a:p>
+            <a:endParaRPr lang="ru-RU"/>
+          </a:p>
+        </p:txBody>
+      </p:sp>
+      <p:pic>
+        <p:nvPicPr>
+          <p:cNvPr id="4" name="Рисунок 3"/>
+          <p:cNvPicPr>
+            <a:picLocks noChangeAspect="1"/>
+          </p:cNvPicPr>
+          <p:nvPr/>
+        </p:nvPicPr>
+        <p:blipFill>
+          <a:blip r:embed="rId2"/>
+          <a:stretch>
+            <a:fillRect/>
+          </a:stretch>
+        </p:blipFill>
+        <p:spPr>
+          <a:xfrm>
+            <a:off x="1514475" y="365125"/>
+            <a:ext cx="9163050" cy="6210300"/>
+          </a:xfrm>
+          <a:prstGeom prst="rect">
+            <a:avLst/>
+          </a:prstGeom>
+        </p:spPr>
+      </p:pic>
+    </p:spTree>
+    <p:extLst>
+      <p:ext uri="{BB962C8B-B14F-4D97-AF65-F5344CB8AC3E}">
+        <p14:creationId xmlns:p14="http://schemas.microsoft.com/office/powerpoint/2010/main" val="2969010725"/>
       </p:ext>
     </p:extLst>
   </p:cSld>

--- a/pres.pptx
+++ b/pres.pptx
@@ -246,7 +246,7 @@
           <a:p>
             <a:fld id="{F2FFB779-270B-4192-84BA-A697F48306DC}" type="datetimeFigureOut">
               <a:rPr lang="ru-RU" smtClean="0"/>
-              <a:t>02.03.2019</a:t>
+              <a:t>06.03.2019</a:t>
             </a:fld>
             <a:endParaRPr lang="ru-RU"/>
           </a:p>
@@ -414,7 +414,7 @@
           <a:p>
             <a:fld id="{F2FFB779-270B-4192-84BA-A697F48306DC}" type="datetimeFigureOut">
               <a:rPr lang="ru-RU" smtClean="0"/>
-              <a:t>02.03.2019</a:t>
+              <a:t>06.03.2019</a:t>
             </a:fld>
             <a:endParaRPr lang="ru-RU"/>
           </a:p>
@@ -592,7 +592,7 @@
           <a:p>
             <a:fld id="{F2FFB779-270B-4192-84BA-A697F48306DC}" type="datetimeFigureOut">
               <a:rPr lang="ru-RU" smtClean="0"/>
-              <a:t>02.03.2019</a:t>
+              <a:t>06.03.2019</a:t>
             </a:fld>
             <a:endParaRPr lang="ru-RU"/>
           </a:p>
@@ -760,7 +760,7 @@
           <a:p>
             <a:fld id="{F2FFB779-270B-4192-84BA-A697F48306DC}" type="datetimeFigureOut">
               <a:rPr lang="ru-RU" smtClean="0"/>
-              <a:t>02.03.2019</a:t>
+              <a:t>06.03.2019</a:t>
             </a:fld>
             <a:endParaRPr lang="ru-RU"/>
           </a:p>
@@ -1005,7 +1005,7 @@
           <a:p>
             <a:fld id="{F2FFB779-270B-4192-84BA-A697F48306DC}" type="datetimeFigureOut">
               <a:rPr lang="ru-RU" smtClean="0"/>
-              <a:t>02.03.2019</a:t>
+              <a:t>06.03.2019</a:t>
             </a:fld>
             <a:endParaRPr lang="ru-RU"/>
           </a:p>
@@ -1234,7 +1234,7 @@
           <a:p>
             <a:fld id="{F2FFB779-270B-4192-84BA-A697F48306DC}" type="datetimeFigureOut">
               <a:rPr lang="ru-RU" smtClean="0"/>
-              <a:t>02.03.2019</a:t>
+              <a:t>06.03.2019</a:t>
             </a:fld>
             <a:endParaRPr lang="ru-RU"/>
           </a:p>
@@ -1598,7 +1598,7 @@
           <a:p>
             <a:fld id="{F2FFB779-270B-4192-84BA-A697F48306DC}" type="datetimeFigureOut">
               <a:rPr lang="ru-RU" smtClean="0"/>
-              <a:t>02.03.2019</a:t>
+              <a:t>06.03.2019</a:t>
             </a:fld>
             <a:endParaRPr lang="ru-RU"/>
           </a:p>
@@ -1715,7 +1715,7 @@
           <a:p>
             <a:fld id="{F2FFB779-270B-4192-84BA-A697F48306DC}" type="datetimeFigureOut">
               <a:rPr lang="ru-RU" smtClean="0"/>
-              <a:t>02.03.2019</a:t>
+              <a:t>06.03.2019</a:t>
             </a:fld>
             <a:endParaRPr lang="ru-RU"/>
           </a:p>
@@ -1810,7 +1810,7 @@
           <a:p>
             <a:fld id="{F2FFB779-270B-4192-84BA-A697F48306DC}" type="datetimeFigureOut">
               <a:rPr lang="ru-RU" smtClean="0"/>
-              <a:t>02.03.2019</a:t>
+              <a:t>06.03.2019</a:t>
             </a:fld>
             <a:endParaRPr lang="ru-RU"/>
           </a:p>
@@ -2085,7 +2085,7 @@
           <a:p>
             <a:fld id="{F2FFB779-270B-4192-84BA-A697F48306DC}" type="datetimeFigureOut">
               <a:rPr lang="ru-RU" smtClean="0"/>
-              <a:t>02.03.2019</a:t>
+              <a:t>06.03.2019</a:t>
             </a:fld>
             <a:endParaRPr lang="ru-RU"/>
           </a:p>
@@ -2337,7 +2337,7 @@
           <a:p>
             <a:fld id="{F2FFB779-270B-4192-84BA-A697F48306DC}" type="datetimeFigureOut">
               <a:rPr lang="ru-RU" smtClean="0"/>
-              <a:t>02.03.2019</a:t>
+              <a:t>06.03.2019</a:t>
             </a:fld>
             <a:endParaRPr lang="ru-RU"/>
           </a:p>
@@ -2548,7 +2548,7 @@
           <a:p>
             <a:fld id="{F2FFB779-270B-4192-84BA-A697F48306DC}" type="datetimeFigureOut">
               <a:rPr lang="ru-RU" smtClean="0"/>
-              <a:t>02.03.2019</a:t>
+              <a:t>06.03.2019</a:t>
             </a:fld>
             <a:endParaRPr lang="ru-RU"/>
           </a:p>
@@ -2968,6 +2968,18 @@
           <a:bodyPr/>
           <a:lstStyle/>
           <a:p>
+            <a:r>
+              <a:rPr lang="en-US" dirty="0" err="1" smtClean="0">
+                <a:cs typeface="Calibri Light"/>
+              </a:rPr>
+              <a:t>Usuf</a:t>
+            </a:r>
+            <a:r>
+              <a:rPr lang="en-US" dirty="0" smtClean="0">
+                <a:cs typeface="Calibri Light"/>
+              </a:rPr>
+              <a:t> Adventure</a:t>
+            </a:r>
             <a:endParaRPr lang="ru-RU" dirty="0">
               <a:cs typeface="Calibri Light"/>
             </a:endParaRPr>
@@ -3057,7 +3069,7 @@
           <p:cNvPr id="2" name="Заголовок 1">
             <a:extLst>
               <a:ext uri="{FF2B5EF4-FFF2-40B4-BE49-F238E27FC236}">
-                <a16:creationId xmlns:a16="http://schemas.microsoft.com/office/drawing/2014/main" xmlns="" id="{AA86B5E8-E57F-487F-AD36-15E88BA144FD}"/>
+                <a16:creationId xmlns="" xmlns:a16="http://schemas.microsoft.com/office/drawing/2014/main" id="{AA86B5E8-E57F-487F-AD36-15E88BA144FD}"/>
               </a:ext>
             </a:extLst>
           </p:cNvPr>
@@ -3088,7 +3100,7 @@
           <p:cNvPr id="3" name="Объект 2">
             <a:extLst>
               <a:ext uri="{FF2B5EF4-FFF2-40B4-BE49-F238E27FC236}">
-                <a16:creationId xmlns:a16="http://schemas.microsoft.com/office/drawing/2014/main" xmlns="" id="{AB637077-C0B6-4056-B83E-6C15AD7C10F5}"/>
+                <a16:creationId xmlns="" xmlns:a16="http://schemas.microsoft.com/office/drawing/2014/main" id="{AB637077-C0B6-4056-B83E-6C15AD7C10F5}"/>
               </a:ext>
             </a:extLst>
           </p:cNvPr>
@@ -3185,7 +3197,7 @@
           <p:cNvPr id="2" name="Заголовок 1">
             <a:extLst>
               <a:ext uri="{FF2B5EF4-FFF2-40B4-BE49-F238E27FC236}">
-                <a16:creationId xmlns:a16="http://schemas.microsoft.com/office/drawing/2014/main" xmlns="" id="{97AF9761-F16A-4D45-934B-F531552CEC99}"/>
+                <a16:creationId xmlns="" xmlns:a16="http://schemas.microsoft.com/office/drawing/2014/main" id="{97AF9761-F16A-4D45-934B-F531552CEC99}"/>
               </a:ext>
             </a:extLst>
           </p:cNvPr>
@@ -3216,7 +3228,7 @@
           <p:cNvPr id="3" name="Объект 2">
             <a:extLst>
               <a:ext uri="{FF2B5EF4-FFF2-40B4-BE49-F238E27FC236}">
-                <a16:creationId xmlns:a16="http://schemas.microsoft.com/office/drawing/2014/main" xmlns="" id="{004BDC7F-3388-4FDB-A798-0F4C41C1E9C7}"/>
+                <a16:creationId xmlns="" xmlns:a16="http://schemas.microsoft.com/office/drawing/2014/main" id="{004BDC7F-3388-4FDB-A798-0F4C41C1E9C7}"/>
               </a:ext>
             </a:extLst>
           </p:cNvPr>
@@ -3323,7 +3335,7 @@
           <p:cNvPr id="4" name="TextBox 3">
             <a:extLst>
               <a:ext uri="{FF2B5EF4-FFF2-40B4-BE49-F238E27FC236}">
-                <a16:creationId xmlns:a16="http://schemas.microsoft.com/office/drawing/2014/main" xmlns="" id="{0E8B0746-2A63-48C0-A452-007C996ADD1C}"/>
+                <a16:creationId xmlns="" xmlns:a16="http://schemas.microsoft.com/office/drawing/2014/main" id="{0E8B0746-2A63-48C0-A452-007C996ADD1C}"/>
               </a:ext>
             </a:extLst>
           </p:cNvPr>
@@ -3434,7 +3446,7 @@
           <p:cNvPr id="2" name="Заголовок 1">
             <a:extLst>
               <a:ext uri="{FF2B5EF4-FFF2-40B4-BE49-F238E27FC236}">
-                <a16:creationId xmlns:a16="http://schemas.microsoft.com/office/drawing/2014/main" xmlns="" id="{E0283CC7-4546-4D6A-9205-6A91FC896D83}"/>
+                <a16:creationId xmlns="" xmlns:a16="http://schemas.microsoft.com/office/drawing/2014/main" id="{E0283CC7-4546-4D6A-9205-6A91FC896D83}"/>
               </a:ext>
             </a:extLst>
           </p:cNvPr>
@@ -3466,7 +3478,7 @@
           <p:cNvPr id="3" name="Объект 2">
             <a:extLst>
               <a:ext uri="{FF2B5EF4-FFF2-40B4-BE49-F238E27FC236}">
-                <a16:creationId xmlns:a16="http://schemas.microsoft.com/office/drawing/2014/main" xmlns="" id="{088AF6F8-90E1-4922-AE7A-C3256B5F2EB6}"/>
+                <a16:creationId xmlns="" xmlns:a16="http://schemas.microsoft.com/office/drawing/2014/main" id="{088AF6F8-90E1-4922-AE7A-C3256B5F2EB6}"/>
               </a:ext>
             </a:extLst>
           </p:cNvPr>
